--- a/C++.pptx
+++ b/C++.pptx
@@ -290,7 +290,7 @@
           <a:p>
             <a:fld id="{530820CF-B880-4189-942D-D702A7CBA730}" type="datetimeFigureOut">
               <a:rPr lang="zh-CN" altLang="en-US" smtClean="0"/>
-              <a:t>2018/1/31</a:t>
+              <a:t>2018/2/1</a:t>
             </a:fld>
             <a:endParaRPr lang="zh-CN" altLang="en-US"/>
           </a:p>
@@ -455,7 +455,7 @@
           <a:p>
             <a:fld id="{530820CF-B880-4189-942D-D702A7CBA730}" type="datetimeFigureOut">
               <a:rPr lang="zh-CN" altLang="en-US" smtClean="0"/>
-              <a:t>2018/1/31</a:t>
+              <a:t>2018/2/1</a:t>
             </a:fld>
             <a:endParaRPr lang="zh-CN" altLang="en-US"/>
           </a:p>
@@ -630,7 +630,7 @@
           <a:p>
             <a:fld id="{530820CF-B880-4189-942D-D702A7CBA730}" type="datetimeFigureOut">
               <a:rPr lang="zh-CN" altLang="en-US" smtClean="0"/>
-              <a:t>2018/1/31</a:t>
+              <a:t>2018/2/1</a:t>
             </a:fld>
             <a:endParaRPr lang="zh-CN" altLang="en-US"/>
           </a:p>
@@ -795,7 +795,7 @@
           <a:p>
             <a:fld id="{530820CF-B880-4189-942D-D702A7CBA730}" type="datetimeFigureOut">
               <a:rPr lang="zh-CN" altLang="en-US" smtClean="0"/>
-              <a:t>2018/1/31</a:t>
+              <a:t>2018/2/1</a:t>
             </a:fld>
             <a:endParaRPr lang="zh-CN" altLang="en-US"/>
           </a:p>
@@ -1036,7 +1036,7 @@
           <a:p>
             <a:fld id="{530820CF-B880-4189-942D-D702A7CBA730}" type="datetimeFigureOut">
               <a:rPr lang="zh-CN" altLang="en-US" smtClean="0"/>
-              <a:t>2018/1/31</a:t>
+              <a:t>2018/2/1</a:t>
             </a:fld>
             <a:endParaRPr lang="zh-CN" altLang="en-US"/>
           </a:p>
@@ -1319,7 +1319,7 @@
           <a:p>
             <a:fld id="{530820CF-B880-4189-942D-D702A7CBA730}" type="datetimeFigureOut">
               <a:rPr lang="zh-CN" altLang="en-US" smtClean="0"/>
-              <a:t>2018/1/31</a:t>
+              <a:t>2018/2/1</a:t>
             </a:fld>
             <a:endParaRPr lang="zh-CN" altLang="en-US"/>
           </a:p>
@@ -1736,7 +1736,7 @@
           <a:p>
             <a:fld id="{530820CF-B880-4189-942D-D702A7CBA730}" type="datetimeFigureOut">
               <a:rPr lang="zh-CN" altLang="en-US" smtClean="0"/>
-              <a:t>2018/1/31</a:t>
+              <a:t>2018/2/1</a:t>
             </a:fld>
             <a:endParaRPr lang="zh-CN" altLang="en-US"/>
           </a:p>
@@ -1849,7 +1849,7 @@
           <a:p>
             <a:fld id="{530820CF-B880-4189-942D-D702A7CBA730}" type="datetimeFigureOut">
               <a:rPr lang="zh-CN" altLang="en-US" smtClean="0"/>
-              <a:t>2018/1/31</a:t>
+              <a:t>2018/2/1</a:t>
             </a:fld>
             <a:endParaRPr lang="zh-CN" altLang="en-US"/>
           </a:p>
@@ -1939,7 +1939,7 @@
           <a:p>
             <a:fld id="{530820CF-B880-4189-942D-D702A7CBA730}" type="datetimeFigureOut">
               <a:rPr lang="zh-CN" altLang="en-US" smtClean="0"/>
-              <a:t>2018/1/31</a:t>
+              <a:t>2018/2/1</a:t>
             </a:fld>
             <a:endParaRPr lang="zh-CN" altLang="en-US"/>
           </a:p>
@@ -2211,7 +2211,7 @@
           <a:p>
             <a:fld id="{530820CF-B880-4189-942D-D702A7CBA730}" type="datetimeFigureOut">
               <a:rPr lang="zh-CN" altLang="en-US" smtClean="0"/>
-              <a:t>2018/1/31</a:t>
+              <a:t>2018/2/1</a:t>
             </a:fld>
             <a:endParaRPr lang="zh-CN" altLang="en-US"/>
           </a:p>
@@ -2459,7 +2459,7 @@
           <a:p>
             <a:fld id="{530820CF-B880-4189-942D-D702A7CBA730}" type="datetimeFigureOut">
               <a:rPr lang="zh-CN" altLang="en-US" smtClean="0"/>
-              <a:t>2018/1/31</a:t>
+              <a:t>2018/2/1</a:t>
             </a:fld>
             <a:endParaRPr lang="zh-CN" altLang="en-US"/>
           </a:p>
@@ -2667,7 +2667,7 @@
           <a:p>
             <a:fld id="{530820CF-B880-4189-942D-D702A7CBA730}" type="datetimeFigureOut">
               <a:rPr lang="zh-CN" altLang="en-US" smtClean="0"/>
-              <a:t>2018/1/31</a:t>
+              <a:t>2018/2/1</a:t>
             </a:fld>
             <a:endParaRPr lang="zh-CN" altLang="en-US"/>
           </a:p>
@@ -3076,7 +3076,7 @@
         <p:spPr>
           <a:xfrm>
             <a:off x="323528" y="899428"/>
-            <a:ext cx="7920880" cy="3416320"/>
+            <a:ext cx="7920880" cy="3970318"/>
           </a:xfrm>
           <a:prstGeom prst="rect">
             <a:avLst/>
@@ -3162,8 +3162,31 @@
             </a:r>
             <a:r>
               <a:rPr lang="zh-CN" altLang="en-US" dirty="0" smtClean="0"/>
-              <a:t>类中存在与基类中函数相同的函数名。</a:t>
-            </a:r>
+              <a:t>类中存在与基类中函数相同的函数</a:t>
+            </a:r>
+            <a:r>
+              <a:rPr lang="zh-CN" altLang="en-US" dirty="0" smtClean="0"/>
+              <a:t>名，并满足如下两种情况：</a:t>
+            </a:r>
+            <a:r>
+              <a:rPr lang="en-US" altLang="zh-CN" dirty="0" smtClean="0"/>
+              <a:t>1.</a:t>
+            </a:r>
+            <a:r>
+              <a:rPr lang="zh-CN" altLang="en-US" dirty="0" smtClean="0"/>
+              <a:t>如果函数签名不同不管基类是否为虚函数。</a:t>
+            </a:r>
+            <a:r>
+              <a:rPr lang="en-US" altLang="zh-CN" dirty="0" smtClean="0"/>
+              <a:t>2.</a:t>
+            </a:r>
+            <a:r>
+              <a:rPr lang="zh-CN" altLang="en-US" dirty="0" smtClean="0"/>
+              <a:t>如果函数签名相同且基类函数为非虚函数。</a:t>
+            </a:r>
+            <a:endParaRPr lang="en-US" altLang="zh-CN" dirty="0" smtClean="0"/>
+          </a:p>
+          <a:p>
             <a:endParaRPr lang="en-US" altLang="zh-CN" dirty="0" smtClean="0"/>
           </a:p>
           <a:p>
@@ -3306,8 +3329,8 @@
         </p:nvSpPr>
         <p:spPr>
           <a:xfrm>
-            <a:off x="4821715" y="2592268"/>
-            <a:ext cx="3312368" cy="3693319"/>
+            <a:off x="4821715" y="3120057"/>
+            <a:ext cx="3312368" cy="3139321"/>
           </a:xfrm>
           <a:prstGeom prst="rect">
             <a:avLst/>
@@ -3472,15 +3495,10 @@
           </a:p>
           <a:p>
             <a:r>
-              <a:rPr lang="en-US" altLang="zh-CN" dirty="0"/>
+              <a:rPr lang="en-US" altLang="zh-CN" dirty="0" smtClean="0"/>
               <a:t>}</a:t>
             </a:r>
-          </a:p>
-          <a:p>
-            <a:endParaRPr lang="en-US" altLang="zh-CN" dirty="0" smtClean="0"/>
-          </a:p>
-          <a:p>
-            <a:endParaRPr lang="zh-CN" altLang="en-US" dirty="0"/>
+            <a:endParaRPr lang="en-US" altLang="zh-CN" dirty="0"/>
           </a:p>
         </p:txBody>
       </p:sp>

--- a/C++.pptx
+++ b/C++.pptx
@@ -3162,11 +3162,7 @@
             </a:r>
             <a:r>
               <a:rPr lang="zh-CN" altLang="en-US" dirty="0" smtClean="0"/>
-              <a:t>类中存在与基类中函数相同的函数</a:t>
-            </a:r>
-            <a:r>
-              <a:rPr lang="zh-CN" altLang="en-US" dirty="0" smtClean="0"/>
-              <a:t>名，并满足如下两种情况：</a:t>
+              <a:t>类中存在与基类中函数相同的函数名，并满足如下两种情况：</a:t>
             </a:r>
             <a:r>
               <a:rPr lang="en-US" altLang="zh-CN" dirty="0" smtClean="0"/>
@@ -3329,8 +3325,8 @@
         </p:nvSpPr>
         <p:spPr>
           <a:xfrm>
-            <a:off x="4821715" y="3120057"/>
-            <a:ext cx="3312368" cy="3139321"/>
+            <a:off x="4139952" y="3120057"/>
+            <a:ext cx="4320480" cy="2862322"/>
           </a:xfrm>
           <a:prstGeom prst="rect">
             <a:avLst/>
